--- a/PPT/01_课程介绍.pptx
+++ b/PPT/01_课程介绍.pptx
@@ -331,7 +331,7 @@
               <a:pPr>
                 <a:defRPr/>
               </a:pPr>
-              <a:t>2017/9/30</a:t>
+              <a:t>2017/10/11</a:t>
             </a:fld>
             <a:endParaRPr lang="zh-CN" altLang="en-US" sz="1200"/>
           </a:p>
@@ -5048,7 +5048,7 @@
                 <a:latin typeface="微软雅黑 Light" panose="020B0502040204020203" pitchFamily="34" charset="-122"/>
                 <a:ea typeface="微软雅黑 Light" panose="020B0502040204020203" pitchFamily="34" charset="-122"/>
               </a:rPr>
-              <a:t>EUD</a:t>
+              <a:t>CSDN</a:t>
             </a:r>
             <a:r>
               <a:rPr lang="zh-CN" altLang="en-US" sz="2400" dirty="0">
@@ -5061,7 +5061,7 @@
                 <a:latin typeface="微软雅黑 Light" panose="020B0502040204020203" pitchFamily="34" charset="-122"/>
                 <a:ea typeface="微软雅黑 Light" panose="020B0502040204020203" pitchFamily="34" charset="-122"/>
               </a:rPr>
-              <a:t>在线课程</a:t>
+              <a:t>学院课程</a:t>
             </a:r>
             <a:r>
               <a:rPr lang="en-US" altLang="zh-CN" sz="2400" dirty="0">
